--- a/Data+Strategy+PPT+.pptx
+++ b/Data+Strategy+PPT+.pptx
@@ -27,11 +27,11 @@
       <p:boldItalic r:id="rId13"/>
     </p:embeddedFont>
     <p:embeddedFont>
-      <p:font typeface="Questrial" panose="020B0604020202020204" charset="0"/>
+      <p:font typeface="Questrial" pitchFamily="2" charset="0"/>
       <p:regular r:id="rId14"/>
     </p:embeddedFont>
     <p:embeddedFont>
-      <p:font typeface="Raleway" panose="020B0003030101060003" pitchFamily="34" charset="0"/>
+      <p:font typeface="Raleway" panose="020B0604020202020204" pitchFamily="2" charset="0"/>
       <p:regular r:id="rId15"/>
       <p:bold r:id="rId16"/>
       <p:italic r:id="rId17"/>
@@ -15339,7 +15339,7 @@
               <a:buNone/>
             </a:pPr>
             <a:r>
-              <a:rPr lang="en" b="1">
+              <a:rPr lang="en-US" b="1" dirty="0">
                 <a:solidFill>
                   <a:schemeClr val="dk1"/>
                 </a:solidFill>
@@ -15348,17 +15348,8 @@
                 <a:cs typeface="Questrial"/>
                 <a:sym typeface="Questrial"/>
               </a:rPr>
-              <a:t>Name</a:t>
+              <a:t>Sagarika Shukla	</a:t>
             </a:r>
-            <a:endParaRPr b="1">
-              <a:solidFill>
-                <a:schemeClr val="dk1"/>
-              </a:solidFill>
-              <a:latin typeface="Questrial"/>
-              <a:ea typeface="Questrial"/>
-              <a:cs typeface="Questrial"/>
-              <a:sym typeface="Questrial"/>
-            </a:endParaRPr>
           </a:p>
           <a:p>
             <a:pPr marL="0" lvl="0" indent="0" algn="l" rtl="0">
@@ -15375,7 +15366,7 @@
               <a:buNone/>
             </a:pPr>
             <a:r>
-              <a:rPr lang="en" b="1">
+              <a:rPr lang="en-US" b="1" dirty="0">
                 <a:solidFill>
                   <a:schemeClr val="dk1"/>
                 </a:solidFill>
@@ -15384,45 +15375,9 @@
                 <a:cs typeface="Questrial"/>
                 <a:sym typeface="Questrial"/>
               </a:rPr>
-              <a:t>Position</a:t>
+              <a:t>10-Jan-24</a:t>
             </a:r>
-            <a:endParaRPr b="1">
-              <a:solidFill>
-                <a:schemeClr val="dk1"/>
-              </a:solidFill>
-              <a:latin typeface="Questrial"/>
-              <a:ea typeface="Questrial"/>
-              <a:cs typeface="Questrial"/>
-              <a:sym typeface="Questrial"/>
-            </a:endParaRPr>
-          </a:p>
-          <a:p>
-            <a:pPr marL="0" lvl="0" indent="0" algn="l" rtl="0">
-              <a:lnSpc>
-                <a:spcPct val="100000"/>
-              </a:lnSpc>
-              <a:spcBef>
-                <a:spcPts val="0"/>
-              </a:spcBef>
-              <a:spcAft>
-                <a:spcPts val="0"/>
-              </a:spcAft>
-              <a:buSzPts val="1600"/>
-              <a:buNone/>
-            </a:pPr>
-            <a:r>
-              <a:rPr lang="en" b="1">
-                <a:solidFill>
-                  <a:schemeClr val="dk1"/>
-                </a:solidFill>
-                <a:latin typeface="Questrial"/>
-                <a:ea typeface="Questrial"/>
-                <a:cs typeface="Questrial"/>
-                <a:sym typeface="Questrial"/>
-              </a:rPr>
-              <a:t>Date</a:t>
-            </a:r>
-            <a:endParaRPr b="1">
+            <a:endParaRPr b="1" dirty="0">
               <a:solidFill>
                 <a:schemeClr val="dk1"/>
               </a:solidFill>
